--- a/desain/flowchart.pptx
+++ b/desain/flowchart.pptx
@@ -2998,7 +2998,7 @@
           <a:p>
             <a:r>
               <a:rPr lang="en-US" dirty="0"/>
-              <a:t>Flowchart Alur </a:t>
+              <a:t>Alur </a:t>
             </a:r>
             <a:r>
               <a:rPr lang="en-US" dirty="0" err="1"/>
@@ -4788,13 +4788,7 @@
               <a:rPr lang="en-US" sz="6000" dirty="0" err="1"/>
               <a:t>Algoritma</a:t>
             </a:r>
-            <a:br>
-              <a:rPr lang="en-US" sz="6000" dirty="0"/>
-            </a:br>
-            <a:r>
-              <a:rPr lang="en-US" sz="6000" dirty="0"/>
-              <a:t>Sequential Search</a:t>
-            </a:r>
+            <a:endParaRPr lang="en-US" sz="6000" dirty="0"/>
           </a:p>
         </p:txBody>
       </p:sp>
@@ -4828,6 +4822,1091 @@
           <a:chExt cx="0" cy="0"/>
         </a:xfrm>
       </p:grpSpPr>
+      <p:sp>
+        <p:nvSpPr>
+          <p:cNvPr id="2" name="Title 1">
+            <a:extLst>
+              <a:ext uri="{FF2B5EF4-FFF2-40B4-BE49-F238E27FC236}">
+                <a16:creationId xmlns:a16="http://schemas.microsoft.com/office/drawing/2014/main" id="{A27C2174-8F5E-4AF9-9697-477AADB62B0E}"/>
+              </a:ext>
+            </a:extLst>
+          </p:cNvPr>
+          <p:cNvSpPr>
+            <a:spLocks noGrp="1"/>
+          </p:cNvSpPr>
+          <p:nvPr>
+            <p:ph type="title"/>
+          </p:nvPr>
+        </p:nvSpPr>
+        <p:spPr>
+          <a:xfrm>
+            <a:off x="471488" y="527405"/>
+            <a:ext cx="5915025" cy="1914702"/>
+          </a:xfrm>
+        </p:spPr>
+        <p:txBody>
+          <a:bodyPr/>
+          <a:lstStyle/>
+          <a:p>
+            <a:r>
+              <a:rPr lang="en-GB" dirty="0" err="1"/>
+              <a:t>Algoritma</a:t>
+            </a:r>
+            <a:r>
+              <a:rPr lang="en-GB" dirty="0"/>
+              <a:t> Sequential Search</a:t>
+            </a:r>
+          </a:p>
+        </p:txBody>
+      </p:sp>
+      <p:grpSp>
+        <p:nvGrpSpPr>
+          <p:cNvPr id="54" name="Group 53">
+            <a:extLst>
+              <a:ext uri="{FF2B5EF4-FFF2-40B4-BE49-F238E27FC236}">
+                <a16:creationId xmlns:a16="http://schemas.microsoft.com/office/drawing/2014/main" id="{A3E1A343-057D-445A-A36D-7E27946EF6D1}"/>
+              </a:ext>
+            </a:extLst>
+          </p:cNvPr>
+          <p:cNvGrpSpPr/>
+          <p:nvPr/>
+        </p:nvGrpSpPr>
+        <p:grpSpPr>
+          <a:xfrm>
+            <a:off x="495744" y="2276582"/>
+            <a:ext cx="5866512" cy="6719552"/>
+            <a:chOff x="393217" y="2276582"/>
+            <a:chExt cx="5866512" cy="6719552"/>
+          </a:xfrm>
+        </p:grpSpPr>
+        <p:sp>
+          <p:nvSpPr>
+            <p:cNvPr id="3" name="Oval 2">
+              <a:extLst>
+                <a:ext uri="{FF2B5EF4-FFF2-40B4-BE49-F238E27FC236}">
+                  <a16:creationId xmlns:a16="http://schemas.microsoft.com/office/drawing/2014/main" id="{0CE2C41C-FB5E-43B0-AA48-2BB791E6FC56}"/>
+                </a:ext>
+              </a:extLst>
+            </p:cNvPr>
+            <p:cNvSpPr/>
+            <p:nvPr/>
+          </p:nvSpPr>
+          <p:spPr>
+            <a:xfrm>
+              <a:off x="2559326" y="2276582"/>
+              <a:ext cx="1282148" cy="695739"/>
+            </a:xfrm>
+            <a:prstGeom prst="ellipse">
+              <a:avLst/>
+            </a:prstGeom>
+          </p:spPr>
+          <p:style>
+            <a:lnRef idx="2">
+              <a:schemeClr val="accent6"/>
+            </a:lnRef>
+            <a:fillRef idx="1">
+              <a:schemeClr val="lt1"/>
+            </a:fillRef>
+            <a:effectRef idx="0">
+              <a:schemeClr val="accent6"/>
+            </a:effectRef>
+            <a:fontRef idx="minor">
+              <a:schemeClr val="dk1"/>
+            </a:fontRef>
+          </p:style>
+          <p:txBody>
+            <a:bodyPr rtlCol="0" anchor="ctr"/>
+            <a:lstStyle/>
+            <a:p>
+              <a:pPr algn="ctr"/>
+              <a:r>
+                <a:rPr lang="en-GB" dirty="0" err="1"/>
+                <a:t>Mulai</a:t>
+              </a:r>
+              <a:endParaRPr lang="en-GB" dirty="0"/>
+            </a:p>
+          </p:txBody>
+        </p:sp>
+        <p:sp>
+          <p:nvSpPr>
+            <p:cNvPr id="4" name="Oval 3">
+              <a:extLst>
+                <a:ext uri="{FF2B5EF4-FFF2-40B4-BE49-F238E27FC236}">
+                  <a16:creationId xmlns:a16="http://schemas.microsoft.com/office/drawing/2014/main" id="{CB69123F-BAA9-4452-981B-52BAD70A5966}"/>
+                </a:ext>
+              </a:extLst>
+            </p:cNvPr>
+            <p:cNvSpPr/>
+            <p:nvPr/>
+          </p:nvSpPr>
+          <p:spPr>
+            <a:xfrm>
+              <a:off x="2559326" y="8300395"/>
+              <a:ext cx="1282148" cy="695739"/>
+            </a:xfrm>
+            <a:prstGeom prst="ellipse">
+              <a:avLst/>
+            </a:prstGeom>
+          </p:spPr>
+          <p:style>
+            <a:lnRef idx="2">
+              <a:schemeClr val="accent6"/>
+            </a:lnRef>
+            <a:fillRef idx="1">
+              <a:schemeClr val="lt1"/>
+            </a:fillRef>
+            <a:effectRef idx="0">
+              <a:schemeClr val="accent6"/>
+            </a:effectRef>
+            <a:fontRef idx="minor">
+              <a:schemeClr val="dk1"/>
+            </a:fontRef>
+          </p:style>
+          <p:txBody>
+            <a:bodyPr rtlCol="0" anchor="ctr"/>
+            <a:lstStyle/>
+            <a:p>
+              <a:pPr algn="ctr"/>
+              <a:r>
+                <a:rPr lang="en-GB" dirty="0" err="1"/>
+                <a:t>Selesai</a:t>
+              </a:r>
+              <a:endParaRPr lang="en-GB" dirty="0"/>
+            </a:p>
+          </p:txBody>
+        </p:sp>
+        <p:sp>
+          <p:nvSpPr>
+            <p:cNvPr id="6" name="Flowchart: Preparation 5">
+              <a:extLst>
+                <a:ext uri="{FF2B5EF4-FFF2-40B4-BE49-F238E27FC236}">
+                  <a16:creationId xmlns:a16="http://schemas.microsoft.com/office/drawing/2014/main" id="{8EBED078-49E8-4553-8D09-D31F36F01457}"/>
+                </a:ext>
+              </a:extLst>
+            </p:cNvPr>
+            <p:cNvSpPr/>
+            <p:nvPr/>
+          </p:nvSpPr>
+          <p:spPr>
+            <a:xfrm>
+              <a:off x="2321245" y="3263474"/>
+              <a:ext cx="1758311" cy="695739"/>
+            </a:xfrm>
+            <a:prstGeom prst="flowChartPreparation">
+              <a:avLst/>
+            </a:prstGeom>
+          </p:spPr>
+          <p:style>
+            <a:lnRef idx="2">
+              <a:schemeClr val="accent6"/>
+            </a:lnRef>
+            <a:fillRef idx="1">
+              <a:schemeClr val="lt1"/>
+            </a:fillRef>
+            <a:effectRef idx="0">
+              <a:schemeClr val="accent6"/>
+            </a:effectRef>
+            <a:fontRef idx="minor">
+              <a:schemeClr val="dk1"/>
+            </a:fontRef>
+          </p:style>
+          <p:txBody>
+            <a:bodyPr rtlCol="0" anchor="ctr"/>
+            <a:lstStyle/>
+            <a:p>
+              <a:pPr algn="ctr"/>
+              <a:r>
+                <a:rPr lang="en-GB" sz="1200" dirty="0" err="1"/>
+                <a:t>Deklarasi</a:t>
+              </a:r>
+              <a:r>
+                <a:rPr lang="en-GB" sz="1200" dirty="0"/>
+                <a:t> variable array data</a:t>
+              </a:r>
+            </a:p>
+          </p:txBody>
+        </p:sp>
+        <p:sp>
+          <p:nvSpPr>
+            <p:cNvPr id="7" name="Flowchart: Decision 6">
+              <a:extLst>
+                <a:ext uri="{FF2B5EF4-FFF2-40B4-BE49-F238E27FC236}">
+                  <a16:creationId xmlns:a16="http://schemas.microsoft.com/office/drawing/2014/main" id="{70F24210-82B7-4C0D-BC3B-D63852F57B39}"/>
+                </a:ext>
+              </a:extLst>
+            </p:cNvPr>
+            <p:cNvSpPr/>
+            <p:nvPr/>
+          </p:nvSpPr>
+          <p:spPr>
+            <a:xfrm>
+              <a:off x="2440286" y="4958558"/>
+              <a:ext cx="1520229" cy="695739"/>
+            </a:xfrm>
+            <a:prstGeom prst="flowChartDecision">
+              <a:avLst/>
+            </a:prstGeom>
+          </p:spPr>
+          <p:style>
+            <a:lnRef idx="2">
+              <a:schemeClr val="accent6"/>
+            </a:lnRef>
+            <a:fillRef idx="1">
+              <a:schemeClr val="lt1"/>
+            </a:fillRef>
+            <a:effectRef idx="0">
+              <a:schemeClr val="accent6"/>
+            </a:effectRef>
+            <a:fontRef idx="minor">
+              <a:schemeClr val="dk1"/>
+            </a:fontRef>
+          </p:style>
+          <p:txBody>
+            <a:bodyPr rtlCol="0" anchor="ctr"/>
+            <a:lstStyle/>
+            <a:p>
+              <a:pPr algn="ctr"/>
+              <a:r>
+                <a:rPr lang="en-GB" dirty="0"/>
+                <a:t>i &lt; n</a:t>
+              </a:r>
+            </a:p>
+          </p:txBody>
+        </p:sp>
+        <p:sp>
+          <p:nvSpPr>
+            <p:cNvPr id="8" name="Flowchart: Decision 7">
+              <a:extLst>
+                <a:ext uri="{FF2B5EF4-FFF2-40B4-BE49-F238E27FC236}">
+                  <a16:creationId xmlns:a16="http://schemas.microsoft.com/office/drawing/2014/main" id="{081C54CF-8140-4FCA-98C0-0001A63749F0}"/>
+                </a:ext>
+              </a:extLst>
+            </p:cNvPr>
+            <p:cNvSpPr/>
+            <p:nvPr/>
+          </p:nvSpPr>
+          <p:spPr>
+            <a:xfrm>
+              <a:off x="4620459" y="4953000"/>
+              <a:ext cx="1520229" cy="695739"/>
+            </a:xfrm>
+            <a:prstGeom prst="flowChartDecision">
+              <a:avLst/>
+            </a:prstGeom>
+          </p:spPr>
+          <p:style>
+            <a:lnRef idx="2">
+              <a:schemeClr val="accent6"/>
+            </a:lnRef>
+            <a:fillRef idx="1">
+              <a:schemeClr val="lt1"/>
+            </a:fillRef>
+            <a:effectRef idx="0">
+              <a:schemeClr val="accent6"/>
+            </a:effectRef>
+            <a:fontRef idx="minor">
+              <a:schemeClr val="dk1"/>
+            </a:fontRef>
+          </p:style>
+          <p:txBody>
+            <a:bodyPr rtlCol="0" anchor="ctr"/>
+            <a:lstStyle/>
+            <a:p>
+              <a:pPr algn="ctr"/>
+              <a:r>
+                <a:rPr lang="en-GB" sz="1200" dirty="0"/>
+                <a:t>Data = Cari</a:t>
+              </a:r>
+            </a:p>
+          </p:txBody>
+        </p:sp>
+        <p:sp>
+          <p:nvSpPr>
+            <p:cNvPr id="9" name="Rectangle 8">
+              <a:extLst>
+                <a:ext uri="{FF2B5EF4-FFF2-40B4-BE49-F238E27FC236}">
+                  <a16:creationId xmlns:a16="http://schemas.microsoft.com/office/drawing/2014/main" id="{F5312D44-6A3B-4AA7-83BB-C0571880AE64}"/>
+                </a:ext>
+              </a:extLst>
+            </p:cNvPr>
+            <p:cNvSpPr/>
+            <p:nvPr/>
+          </p:nvSpPr>
+          <p:spPr>
+            <a:xfrm>
+              <a:off x="4620459" y="4150895"/>
+              <a:ext cx="1520229" cy="553452"/>
+            </a:xfrm>
+            <a:prstGeom prst="rect">
+              <a:avLst/>
+            </a:prstGeom>
+          </p:spPr>
+          <p:style>
+            <a:lnRef idx="2">
+              <a:schemeClr val="accent6"/>
+            </a:lnRef>
+            <a:fillRef idx="1">
+              <a:schemeClr val="lt1"/>
+            </a:fillRef>
+            <a:effectRef idx="0">
+              <a:schemeClr val="accent6"/>
+            </a:effectRef>
+            <a:fontRef idx="minor">
+              <a:schemeClr val="dk1"/>
+            </a:fontRef>
+          </p:style>
+          <p:txBody>
+            <a:bodyPr rtlCol="0" anchor="ctr"/>
+            <a:lstStyle/>
+            <a:p>
+              <a:pPr algn="ctr"/>
+              <a:r>
+                <a:rPr lang="en-GB" sz="1200" dirty="0" err="1"/>
+                <a:t>Menambahkan</a:t>
+              </a:r>
+              <a:r>
+                <a:rPr lang="en-GB" sz="1200" dirty="0"/>
+                <a:t> </a:t>
+              </a:r>
+              <a:r>
+                <a:rPr lang="en-GB" sz="1200" dirty="0" err="1"/>
+                <a:t>i</a:t>
+              </a:r>
+              <a:endParaRPr lang="en-GB" sz="1200" dirty="0"/>
+            </a:p>
+          </p:txBody>
+        </p:sp>
+        <p:sp>
+          <p:nvSpPr>
+            <p:cNvPr id="10" name="Rectangle 9">
+              <a:extLst>
+                <a:ext uri="{FF2B5EF4-FFF2-40B4-BE49-F238E27FC236}">
+                  <a16:creationId xmlns:a16="http://schemas.microsoft.com/office/drawing/2014/main" id="{03C4DE01-EE77-471A-BBCA-93147503AF54}"/>
+                </a:ext>
+              </a:extLst>
+            </p:cNvPr>
+            <p:cNvSpPr/>
+            <p:nvPr/>
+          </p:nvSpPr>
+          <p:spPr>
+            <a:xfrm>
+              <a:off x="4620459" y="5897392"/>
+              <a:ext cx="1520229" cy="553452"/>
+            </a:xfrm>
+            <a:prstGeom prst="rect">
+              <a:avLst/>
+            </a:prstGeom>
+          </p:spPr>
+          <p:style>
+            <a:lnRef idx="2">
+              <a:schemeClr val="accent6"/>
+            </a:lnRef>
+            <a:fillRef idx="1">
+              <a:schemeClr val="lt1"/>
+            </a:fillRef>
+            <a:effectRef idx="0">
+              <a:schemeClr val="accent6"/>
+            </a:effectRef>
+            <a:fontRef idx="minor">
+              <a:schemeClr val="dk1"/>
+            </a:fontRef>
+          </p:style>
+          <p:txBody>
+            <a:bodyPr rtlCol="0" anchor="ctr"/>
+            <a:lstStyle/>
+            <a:p>
+              <a:pPr algn="ctr"/>
+              <a:r>
+                <a:rPr lang="en-GB" sz="1200" dirty="0" err="1"/>
+                <a:t>Ubah</a:t>
+              </a:r>
+              <a:r>
+                <a:rPr lang="en-GB" sz="1200" dirty="0"/>
+                <a:t> Flag </a:t>
+              </a:r>
+              <a:r>
+                <a:rPr lang="en-GB" sz="1200" dirty="0" err="1"/>
+                <a:t>jadi</a:t>
+              </a:r>
+              <a:r>
+                <a:rPr lang="en-GB" sz="1200" dirty="0"/>
+                <a:t> 1</a:t>
+              </a:r>
+            </a:p>
+          </p:txBody>
+        </p:sp>
+        <p:sp>
+          <p:nvSpPr>
+            <p:cNvPr id="11" name="Flowchart: Decision 10">
+              <a:extLst>
+                <a:ext uri="{FF2B5EF4-FFF2-40B4-BE49-F238E27FC236}">
+                  <a16:creationId xmlns:a16="http://schemas.microsoft.com/office/drawing/2014/main" id="{598367E6-6D77-49B8-8DE8-57A316FADB50}"/>
+                </a:ext>
+              </a:extLst>
+            </p:cNvPr>
+            <p:cNvSpPr/>
+            <p:nvPr/>
+          </p:nvSpPr>
+          <p:spPr>
+            <a:xfrm>
+              <a:off x="2440286" y="6614227"/>
+              <a:ext cx="1520229" cy="695739"/>
+            </a:xfrm>
+            <a:prstGeom prst="flowChartDecision">
+              <a:avLst/>
+            </a:prstGeom>
+          </p:spPr>
+          <p:style>
+            <a:lnRef idx="2">
+              <a:schemeClr val="accent6"/>
+            </a:lnRef>
+            <a:fillRef idx="1">
+              <a:schemeClr val="lt1"/>
+            </a:fillRef>
+            <a:effectRef idx="0">
+              <a:schemeClr val="accent6"/>
+            </a:effectRef>
+            <a:fontRef idx="minor">
+              <a:schemeClr val="dk1"/>
+            </a:fontRef>
+          </p:style>
+          <p:txBody>
+            <a:bodyPr rtlCol="0" anchor="ctr"/>
+            <a:lstStyle/>
+            <a:p>
+              <a:pPr algn="ctr"/>
+              <a:r>
+                <a:rPr lang="en-GB" sz="1400" dirty="0"/>
+                <a:t>Flag = 1</a:t>
+              </a:r>
+            </a:p>
+          </p:txBody>
+        </p:sp>
+        <p:sp>
+          <p:nvSpPr>
+            <p:cNvPr id="12" name="Flowchart: Data 11">
+              <a:extLst>
+                <a:ext uri="{FF2B5EF4-FFF2-40B4-BE49-F238E27FC236}">
+                  <a16:creationId xmlns:a16="http://schemas.microsoft.com/office/drawing/2014/main" id="{8B9954DB-04AC-4458-8CE9-A033D5C1EF24}"/>
+                </a:ext>
+              </a:extLst>
+            </p:cNvPr>
+            <p:cNvSpPr/>
+            <p:nvPr/>
+          </p:nvSpPr>
+          <p:spPr>
+            <a:xfrm>
+              <a:off x="393217" y="7459578"/>
+              <a:ext cx="1758311" cy="695739"/>
+            </a:xfrm>
+            <a:prstGeom prst="flowChartInputOutput">
+              <a:avLst/>
+            </a:prstGeom>
+          </p:spPr>
+          <p:style>
+            <a:lnRef idx="2">
+              <a:schemeClr val="accent6"/>
+            </a:lnRef>
+            <a:fillRef idx="1">
+              <a:schemeClr val="lt1"/>
+            </a:fillRef>
+            <a:effectRef idx="0">
+              <a:schemeClr val="accent6"/>
+            </a:effectRef>
+            <a:fontRef idx="minor">
+              <a:schemeClr val="dk1"/>
+            </a:fontRef>
+          </p:style>
+          <p:txBody>
+            <a:bodyPr rtlCol="0" anchor="ctr"/>
+            <a:lstStyle/>
+            <a:p>
+              <a:pPr algn="ctr"/>
+              <a:r>
+                <a:rPr lang="en-GB" sz="1100" dirty="0"/>
+                <a:t>Data </a:t>
+              </a:r>
+              <a:r>
+                <a:rPr lang="en-GB" sz="1100" dirty="0" err="1"/>
+                <a:t>tidak</a:t>
+              </a:r>
+              <a:r>
+                <a:rPr lang="en-GB" sz="1100" dirty="0"/>
+                <a:t> </a:t>
+              </a:r>
+              <a:r>
+                <a:rPr lang="en-GB" sz="1100" dirty="0" err="1"/>
+                <a:t>ditemukan</a:t>
+              </a:r>
+              <a:endParaRPr lang="en-GB" sz="1100" dirty="0"/>
+            </a:p>
+          </p:txBody>
+        </p:sp>
+        <p:sp>
+          <p:nvSpPr>
+            <p:cNvPr id="13" name="Flowchart: Data 12">
+              <a:extLst>
+                <a:ext uri="{FF2B5EF4-FFF2-40B4-BE49-F238E27FC236}">
+                  <a16:creationId xmlns:a16="http://schemas.microsoft.com/office/drawing/2014/main" id="{E2A7C0E5-DC27-4C0B-ACF4-709AFAA5042A}"/>
+                </a:ext>
+              </a:extLst>
+            </p:cNvPr>
+            <p:cNvSpPr/>
+            <p:nvPr/>
+          </p:nvSpPr>
+          <p:spPr>
+            <a:xfrm>
+              <a:off x="4501418" y="7459578"/>
+              <a:ext cx="1758311" cy="695739"/>
+            </a:xfrm>
+            <a:prstGeom prst="flowChartInputOutput">
+              <a:avLst/>
+            </a:prstGeom>
+          </p:spPr>
+          <p:style>
+            <a:lnRef idx="2">
+              <a:schemeClr val="accent6"/>
+            </a:lnRef>
+            <a:fillRef idx="1">
+              <a:schemeClr val="lt1"/>
+            </a:fillRef>
+            <a:effectRef idx="0">
+              <a:schemeClr val="accent6"/>
+            </a:effectRef>
+            <a:fontRef idx="minor">
+              <a:schemeClr val="dk1"/>
+            </a:fontRef>
+          </p:style>
+          <p:txBody>
+            <a:bodyPr rtlCol="0" anchor="ctr"/>
+            <a:lstStyle/>
+            <a:p>
+              <a:pPr algn="ctr"/>
+              <a:r>
+                <a:rPr lang="en-GB" sz="1100" dirty="0"/>
+                <a:t>Data </a:t>
+              </a:r>
+              <a:r>
+                <a:rPr lang="en-GB" sz="1100" dirty="0" err="1"/>
+                <a:t>Ditemukan</a:t>
+              </a:r>
+              <a:endParaRPr lang="en-GB" sz="1100" dirty="0"/>
+            </a:p>
+          </p:txBody>
+        </p:sp>
+        <p:cxnSp>
+          <p:nvCxnSpPr>
+            <p:cNvPr id="15" name="Straight Arrow Connector 14">
+              <a:extLst>
+                <a:ext uri="{FF2B5EF4-FFF2-40B4-BE49-F238E27FC236}">
+                  <a16:creationId xmlns:a16="http://schemas.microsoft.com/office/drawing/2014/main" id="{B342FA59-E66B-4825-8A0E-9382E0AE37CD}"/>
+                </a:ext>
+              </a:extLst>
+            </p:cNvPr>
+            <p:cNvCxnSpPr>
+              <a:stCxn id="3" idx="4"/>
+              <a:endCxn id="6" idx="0"/>
+            </p:cNvCxnSpPr>
+            <p:nvPr/>
+          </p:nvCxnSpPr>
+          <p:spPr>
+            <a:xfrm>
+              <a:off x="3200400" y="2972321"/>
+              <a:ext cx="1" cy="291153"/>
+            </a:xfrm>
+            <a:prstGeom prst="straightConnector1">
+              <a:avLst/>
+            </a:prstGeom>
+            <a:ln>
+              <a:tailEnd type="triangle"/>
+            </a:ln>
+          </p:spPr>
+          <p:style>
+            <a:lnRef idx="3">
+              <a:schemeClr val="accent6"/>
+            </a:lnRef>
+            <a:fillRef idx="0">
+              <a:schemeClr val="accent6"/>
+            </a:fillRef>
+            <a:effectRef idx="2">
+              <a:schemeClr val="accent6"/>
+            </a:effectRef>
+            <a:fontRef idx="minor">
+              <a:schemeClr val="tx1"/>
+            </a:fontRef>
+          </p:style>
+        </p:cxnSp>
+        <p:cxnSp>
+          <p:nvCxnSpPr>
+            <p:cNvPr id="16" name="Straight Arrow Connector 15">
+              <a:extLst>
+                <a:ext uri="{FF2B5EF4-FFF2-40B4-BE49-F238E27FC236}">
+                  <a16:creationId xmlns:a16="http://schemas.microsoft.com/office/drawing/2014/main" id="{4ACFF9A5-3F5F-4FBA-A152-4C4951997CB5}"/>
+                </a:ext>
+              </a:extLst>
+            </p:cNvPr>
+            <p:cNvCxnSpPr>
+              <a:cxnSpLocks/>
+              <a:stCxn id="6" idx="2"/>
+              <a:endCxn id="7" idx="0"/>
+            </p:cNvCxnSpPr>
+            <p:nvPr/>
+          </p:nvCxnSpPr>
+          <p:spPr>
+            <a:xfrm>
+              <a:off x="3200401" y="3959213"/>
+              <a:ext cx="0" cy="999345"/>
+            </a:xfrm>
+            <a:prstGeom prst="straightConnector1">
+              <a:avLst/>
+            </a:prstGeom>
+            <a:ln>
+              <a:tailEnd type="triangle"/>
+            </a:ln>
+          </p:spPr>
+          <p:style>
+            <a:lnRef idx="3">
+              <a:schemeClr val="accent6"/>
+            </a:lnRef>
+            <a:fillRef idx="0">
+              <a:schemeClr val="accent6"/>
+            </a:fillRef>
+            <a:effectRef idx="2">
+              <a:schemeClr val="accent6"/>
+            </a:effectRef>
+            <a:fontRef idx="minor">
+              <a:schemeClr val="tx1"/>
+            </a:fontRef>
+          </p:style>
+        </p:cxnSp>
+        <p:cxnSp>
+          <p:nvCxnSpPr>
+            <p:cNvPr id="19" name="Straight Arrow Connector 18">
+              <a:extLst>
+                <a:ext uri="{FF2B5EF4-FFF2-40B4-BE49-F238E27FC236}">
+                  <a16:creationId xmlns:a16="http://schemas.microsoft.com/office/drawing/2014/main" id="{85C9F87F-703F-49CA-B456-D9CA28AC383D}"/>
+                </a:ext>
+              </a:extLst>
+            </p:cNvPr>
+            <p:cNvCxnSpPr>
+              <a:cxnSpLocks/>
+              <a:stCxn id="7" idx="3"/>
+              <a:endCxn id="8" idx="1"/>
+            </p:cNvCxnSpPr>
+            <p:nvPr/>
+          </p:nvCxnSpPr>
+          <p:spPr>
+            <a:xfrm flipV="1">
+              <a:off x="3960515" y="5300870"/>
+              <a:ext cx="659944" cy="5558"/>
+            </a:xfrm>
+            <a:prstGeom prst="straightConnector1">
+              <a:avLst/>
+            </a:prstGeom>
+            <a:ln>
+              <a:tailEnd type="triangle"/>
+            </a:ln>
+          </p:spPr>
+          <p:style>
+            <a:lnRef idx="3">
+              <a:schemeClr val="accent6"/>
+            </a:lnRef>
+            <a:fillRef idx="0">
+              <a:schemeClr val="accent6"/>
+            </a:fillRef>
+            <a:effectRef idx="2">
+              <a:schemeClr val="accent6"/>
+            </a:effectRef>
+            <a:fontRef idx="minor">
+              <a:schemeClr val="tx1"/>
+            </a:fontRef>
+          </p:style>
+        </p:cxnSp>
+        <p:cxnSp>
+          <p:nvCxnSpPr>
+            <p:cNvPr id="22" name="Straight Arrow Connector 21">
+              <a:extLst>
+                <a:ext uri="{FF2B5EF4-FFF2-40B4-BE49-F238E27FC236}">
+                  <a16:creationId xmlns:a16="http://schemas.microsoft.com/office/drawing/2014/main" id="{0E252152-E340-423D-9EEA-1930CDCC3CAB}"/>
+                </a:ext>
+              </a:extLst>
+            </p:cNvPr>
+            <p:cNvCxnSpPr>
+              <a:cxnSpLocks/>
+              <a:stCxn id="8" idx="0"/>
+              <a:endCxn id="9" idx="2"/>
+            </p:cNvCxnSpPr>
+            <p:nvPr/>
+          </p:nvCxnSpPr>
+          <p:spPr>
+            <a:xfrm flipV="1">
+              <a:off x="5380574" y="4704347"/>
+              <a:ext cx="0" cy="248653"/>
+            </a:xfrm>
+            <a:prstGeom prst="straightConnector1">
+              <a:avLst/>
+            </a:prstGeom>
+            <a:ln>
+              <a:tailEnd type="triangle"/>
+            </a:ln>
+          </p:spPr>
+          <p:style>
+            <a:lnRef idx="3">
+              <a:schemeClr val="accent6"/>
+            </a:lnRef>
+            <a:fillRef idx="0">
+              <a:schemeClr val="accent6"/>
+            </a:fillRef>
+            <a:effectRef idx="2">
+              <a:schemeClr val="accent6"/>
+            </a:effectRef>
+            <a:fontRef idx="minor">
+              <a:schemeClr val="tx1"/>
+            </a:fontRef>
+          </p:style>
+        </p:cxnSp>
+        <p:cxnSp>
+          <p:nvCxnSpPr>
+            <p:cNvPr id="25" name="Straight Arrow Connector 24">
+              <a:extLst>
+                <a:ext uri="{FF2B5EF4-FFF2-40B4-BE49-F238E27FC236}">
+                  <a16:creationId xmlns:a16="http://schemas.microsoft.com/office/drawing/2014/main" id="{14045FDF-CA34-48BA-97F0-D103F7670801}"/>
+                </a:ext>
+              </a:extLst>
+            </p:cNvPr>
+            <p:cNvCxnSpPr>
+              <a:cxnSpLocks/>
+              <a:stCxn id="9" idx="1"/>
+            </p:cNvCxnSpPr>
+            <p:nvPr/>
+          </p:nvCxnSpPr>
+          <p:spPr>
+            <a:xfrm flipH="1">
+              <a:off x="3200400" y="4427621"/>
+              <a:ext cx="1420059" cy="0"/>
+            </a:xfrm>
+            <a:prstGeom prst="straightConnector1">
+              <a:avLst/>
+            </a:prstGeom>
+            <a:ln>
+              <a:tailEnd type="triangle"/>
+            </a:ln>
+          </p:spPr>
+          <p:style>
+            <a:lnRef idx="3">
+              <a:schemeClr val="accent6"/>
+            </a:lnRef>
+            <a:fillRef idx="0">
+              <a:schemeClr val="accent6"/>
+            </a:fillRef>
+            <a:effectRef idx="2">
+              <a:schemeClr val="accent6"/>
+            </a:effectRef>
+            <a:fontRef idx="minor">
+              <a:schemeClr val="tx1"/>
+            </a:fontRef>
+          </p:style>
+        </p:cxnSp>
+        <p:cxnSp>
+          <p:nvCxnSpPr>
+            <p:cNvPr id="28" name="Straight Arrow Connector 27">
+              <a:extLst>
+                <a:ext uri="{FF2B5EF4-FFF2-40B4-BE49-F238E27FC236}">
+                  <a16:creationId xmlns:a16="http://schemas.microsoft.com/office/drawing/2014/main" id="{0A32CA44-9C70-4BE1-807D-3F2317459CE8}"/>
+                </a:ext>
+              </a:extLst>
+            </p:cNvPr>
+            <p:cNvCxnSpPr>
+              <a:cxnSpLocks/>
+              <a:stCxn id="7" idx="2"/>
+              <a:endCxn id="11" idx="0"/>
+            </p:cNvCxnSpPr>
+            <p:nvPr/>
+          </p:nvCxnSpPr>
+          <p:spPr>
+            <a:xfrm>
+              <a:off x="3200401" y="5654297"/>
+              <a:ext cx="0" cy="959930"/>
+            </a:xfrm>
+            <a:prstGeom prst="straightConnector1">
+              <a:avLst/>
+            </a:prstGeom>
+            <a:ln>
+              <a:tailEnd type="triangle"/>
+            </a:ln>
+          </p:spPr>
+          <p:style>
+            <a:lnRef idx="3">
+              <a:schemeClr val="accent6"/>
+            </a:lnRef>
+            <a:fillRef idx="0">
+              <a:schemeClr val="accent6"/>
+            </a:fillRef>
+            <a:effectRef idx="2">
+              <a:schemeClr val="accent6"/>
+            </a:effectRef>
+            <a:fontRef idx="minor">
+              <a:schemeClr val="tx1"/>
+            </a:fontRef>
+          </p:style>
+        </p:cxnSp>
+        <p:cxnSp>
+          <p:nvCxnSpPr>
+            <p:cNvPr id="34" name="Straight Arrow Connector 33">
+              <a:extLst>
+                <a:ext uri="{FF2B5EF4-FFF2-40B4-BE49-F238E27FC236}">
+                  <a16:creationId xmlns:a16="http://schemas.microsoft.com/office/drawing/2014/main" id="{747297B4-FB95-4FCA-96F1-D2BE5C218227}"/>
+                </a:ext>
+              </a:extLst>
+            </p:cNvPr>
+            <p:cNvCxnSpPr>
+              <a:cxnSpLocks/>
+              <a:stCxn id="8" idx="2"/>
+              <a:endCxn id="10" idx="0"/>
+            </p:cNvCxnSpPr>
+            <p:nvPr/>
+          </p:nvCxnSpPr>
+          <p:spPr>
+            <a:xfrm>
+              <a:off x="5380574" y="5648739"/>
+              <a:ext cx="0" cy="248653"/>
+            </a:xfrm>
+            <a:prstGeom prst="straightConnector1">
+              <a:avLst/>
+            </a:prstGeom>
+            <a:ln>
+              <a:tailEnd type="triangle"/>
+            </a:ln>
+          </p:spPr>
+          <p:style>
+            <a:lnRef idx="3">
+              <a:schemeClr val="accent6"/>
+            </a:lnRef>
+            <a:fillRef idx="0">
+              <a:schemeClr val="accent6"/>
+            </a:fillRef>
+            <a:effectRef idx="2">
+              <a:schemeClr val="accent6"/>
+            </a:effectRef>
+            <a:fontRef idx="minor">
+              <a:schemeClr val="tx1"/>
+            </a:fontRef>
+          </p:style>
+        </p:cxnSp>
+        <p:cxnSp>
+          <p:nvCxnSpPr>
+            <p:cNvPr id="37" name="Straight Arrow Connector 36">
+              <a:extLst>
+                <a:ext uri="{FF2B5EF4-FFF2-40B4-BE49-F238E27FC236}">
+                  <a16:creationId xmlns:a16="http://schemas.microsoft.com/office/drawing/2014/main" id="{BDC43BC9-B408-48BD-8392-212065979D44}"/>
+                </a:ext>
+              </a:extLst>
+            </p:cNvPr>
+            <p:cNvCxnSpPr>
+              <a:cxnSpLocks/>
+              <a:stCxn id="10" idx="1"/>
+            </p:cNvCxnSpPr>
+            <p:nvPr/>
+          </p:nvCxnSpPr>
+          <p:spPr>
+            <a:xfrm flipH="1">
+              <a:off x="3200400" y="6174118"/>
+              <a:ext cx="1420059" cy="0"/>
+            </a:xfrm>
+            <a:prstGeom prst="straightConnector1">
+              <a:avLst/>
+            </a:prstGeom>
+            <a:ln>
+              <a:tailEnd type="triangle"/>
+            </a:ln>
+          </p:spPr>
+          <p:style>
+            <a:lnRef idx="3">
+              <a:schemeClr val="accent6"/>
+            </a:lnRef>
+            <a:fillRef idx="0">
+              <a:schemeClr val="accent6"/>
+            </a:fillRef>
+            <a:effectRef idx="2">
+              <a:schemeClr val="accent6"/>
+            </a:effectRef>
+            <a:fontRef idx="minor">
+              <a:schemeClr val="tx1"/>
+            </a:fontRef>
+          </p:style>
+        </p:cxnSp>
+        <p:cxnSp>
+          <p:nvCxnSpPr>
+            <p:cNvPr id="44" name="Connector: Elbow 43">
+              <a:extLst>
+                <a:ext uri="{FF2B5EF4-FFF2-40B4-BE49-F238E27FC236}">
+                  <a16:creationId xmlns:a16="http://schemas.microsoft.com/office/drawing/2014/main" id="{0F8FB69E-29FB-46D0-9F0D-21E3593BC5E9}"/>
+                </a:ext>
+              </a:extLst>
+            </p:cNvPr>
+            <p:cNvCxnSpPr>
+              <a:stCxn id="11" idx="1"/>
+              <a:endCxn id="12" idx="1"/>
+            </p:cNvCxnSpPr>
+            <p:nvPr/>
+          </p:nvCxnSpPr>
+          <p:spPr>
+            <a:xfrm rot="10800000" flipV="1">
+              <a:off x="1272374" y="6962096"/>
+              <a:ext cx="1167913" cy="497481"/>
+            </a:xfrm>
+            <a:prstGeom prst="bentConnector2">
+              <a:avLst/>
+            </a:prstGeom>
+            <a:ln>
+              <a:tailEnd type="triangle"/>
+            </a:ln>
+          </p:spPr>
+          <p:style>
+            <a:lnRef idx="3">
+              <a:schemeClr val="accent6"/>
+            </a:lnRef>
+            <a:fillRef idx="0">
+              <a:schemeClr val="accent6"/>
+            </a:fillRef>
+            <a:effectRef idx="2">
+              <a:schemeClr val="accent6"/>
+            </a:effectRef>
+            <a:fontRef idx="minor">
+              <a:schemeClr val="tx1"/>
+            </a:fontRef>
+          </p:style>
+        </p:cxnSp>
+        <p:cxnSp>
+          <p:nvCxnSpPr>
+            <p:cNvPr id="45" name="Connector: Elbow 44">
+              <a:extLst>
+                <a:ext uri="{FF2B5EF4-FFF2-40B4-BE49-F238E27FC236}">
+                  <a16:creationId xmlns:a16="http://schemas.microsoft.com/office/drawing/2014/main" id="{9B9636CC-0121-4268-8889-5E9281EEBA80}"/>
+                </a:ext>
+              </a:extLst>
+            </p:cNvPr>
+            <p:cNvCxnSpPr>
+              <a:cxnSpLocks/>
+              <a:stCxn id="11" idx="3"/>
+              <a:endCxn id="13" idx="1"/>
+            </p:cNvCxnSpPr>
+            <p:nvPr/>
+          </p:nvCxnSpPr>
+          <p:spPr>
+            <a:xfrm>
+              <a:off x="3960515" y="6962097"/>
+              <a:ext cx="1420059" cy="497481"/>
+            </a:xfrm>
+            <a:prstGeom prst="bentConnector2">
+              <a:avLst/>
+            </a:prstGeom>
+            <a:ln>
+              <a:tailEnd type="triangle"/>
+            </a:ln>
+          </p:spPr>
+          <p:style>
+            <a:lnRef idx="3">
+              <a:schemeClr val="accent6"/>
+            </a:lnRef>
+            <a:fillRef idx="0">
+              <a:schemeClr val="accent6"/>
+            </a:fillRef>
+            <a:effectRef idx="2">
+              <a:schemeClr val="accent6"/>
+            </a:effectRef>
+            <a:fontRef idx="minor">
+              <a:schemeClr val="tx1"/>
+            </a:fontRef>
+          </p:style>
+        </p:cxnSp>
+        <p:cxnSp>
+          <p:nvCxnSpPr>
+            <p:cNvPr id="48" name="Connector: Elbow 47">
+              <a:extLst>
+                <a:ext uri="{FF2B5EF4-FFF2-40B4-BE49-F238E27FC236}">
+                  <a16:creationId xmlns:a16="http://schemas.microsoft.com/office/drawing/2014/main" id="{53A5BBA4-1826-4698-8A88-EDFAD67A1AF4}"/>
+                </a:ext>
+              </a:extLst>
+            </p:cNvPr>
+            <p:cNvCxnSpPr>
+              <a:cxnSpLocks/>
+              <a:stCxn id="13" idx="4"/>
+              <a:endCxn id="4" idx="6"/>
+            </p:cNvCxnSpPr>
+            <p:nvPr/>
+          </p:nvCxnSpPr>
+          <p:spPr>
+            <a:xfrm rot="5400000">
+              <a:off x="4364550" y="7632241"/>
+              <a:ext cx="492948" cy="1539100"/>
+            </a:xfrm>
+            <a:prstGeom prst="bentConnector2">
+              <a:avLst/>
+            </a:prstGeom>
+            <a:ln>
+              <a:tailEnd type="triangle"/>
+            </a:ln>
+          </p:spPr>
+          <p:style>
+            <a:lnRef idx="3">
+              <a:schemeClr val="accent6"/>
+            </a:lnRef>
+            <a:fillRef idx="0">
+              <a:schemeClr val="accent6"/>
+            </a:fillRef>
+            <a:effectRef idx="2">
+              <a:schemeClr val="accent6"/>
+            </a:effectRef>
+            <a:fontRef idx="minor">
+              <a:schemeClr val="tx1"/>
+            </a:fontRef>
+          </p:style>
+        </p:cxnSp>
+        <p:cxnSp>
+          <p:nvCxnSpPr>
+            <p:cNvPr id="51" name="Connector: Elbow 50">
+              <a:extLst>
+                <a:ext uri="{FF2B5EF4-FFF2-40B4-BE49-F238E27FC236}">
+                  <a16:creationId xmlns:a16="http://schemas.microsoft.com/office/drawing/2014/main" id="{A9EDA83D-1621-4CAF-963B-97A9E8833420}"/>
+                </a:ext>
+              </a:extLst>
+            </p:cNvPr>
+            <p:cNvCxnSpPr>
+              <a:cxnSpLocks/>
+              <a:stCxn id="12" idx="4"/>
+              <a:endCxn id="4" idx="2"/>
+            </p:cNvCxnSpPr>
+            <p:nvPr/>
+          </p:nvCxnSpPr>
+          <p:spPr>
+            <a:xfrm rot="16200000" flipH="1">
+              <a:off x="1669375" y="7758314"/>
+              <a:ext cx="492948" cy="1286953"/>
+            </a:xfrm>
+            <a:prstGeom prst="bentConnector2">
+              <a:avLst/>
+            </a:prstGeom>
+            <a:ln>
+              <a:tailEnd type="triangle"/>
+            </a:ln>
+          </p:spPr>
+          <p:style>
+            <a:lnRef idx="3">
+              <a:schemeClr val="accent6"/>
+            </a:lnRef>
+            <a:fillRef idx="0">
+              <a:schemeClr val="accent6"/>
+            </a:fillRef>
+            <a:effectRef idx="2">
+              <a:schemeClr val="accent6"/>
+            </a:effectRef>
+            <a:fontRef idx="minor">
+              <a:schemeClr val="tx1"/>
+            </a:fontRef>
+          </p:style>
+        </p:cxnSp>
+      </p:grpSp>
     </p:spTree>
     <p:extLst>
       <p:ext uri="{BB962C8B-B14F-4D97-AF65-F5344CB8AC3E}">
